--- a/New Microsoft PowerPoint Presentation.pptx
+++ b/New Microsoft PowerPoint Presentation.pptx
@@ -6,6 +6,7 @@
   </p:sldMasterIdLst>
   <p:sldIdLst>
     <p:sldId id="256" r:id="rId2"/>
+    <p:sldId id="257" r:id="rId3"/>
   </p:sldIdLst>
   <p:sldSz cx="12192000" cy="6858000"/>
   <p:notesSz cx="6858000" cy="9144000"/>
@@ -104,6 +105,21 @@
       </a:defRPr>
     </a:lvl9pPr>
   </p:defaultTextStyle>
+  <p:extLst>
+    <p:ext uri="{521415D9-36F7-43E2-AB2F-B90AF26B5E84}">
+      <p14:sectionLst xmlns:p14="http://schemas.microsoft.com/office/powerpoint/2010/main">
+        <p14:section name="Default Section" id="{C41EAC29-2C74-4FD4-9627-62F843A251B8}">
+          <p14:sldIdLst>
+            <p14:sldId id="256"/>
+            <p14:sldId id="257"/>
+          </p14:sldIdLst>
+        </p14:section>
+      </p14:sectionLst>
+    </p:ext>
+    <p:ext uri="{EFAFB233-063F-42B5-8137-9DF3F51BA10A}">
+      <p15:sldGuideLst xmlns:p15="http://schemas.microsoft.com/office/powerpoint/2012/main"/>
+    </p:ext>
+  </p:extLst>
 </p:presentation>
 </file>
 
@@ -5758,7 +5774,7 @@
         </p:nvSpPr>
         <p:spPr>
           <a:xfrm>
-            <a:off x="6336437" y="0"/>
+            <a:off x="2804444" y="968053"/>
             <a:ext cx="5533748" cy="1825096"/>
           </a:xfrm>
         </p:spPr>
@@ -5794,7 +5810,7 @@
         </p:nvSpPr>
         <p:spPr>
           <a:xfrm>
-            <a:off x="7230626" y="1891415"/>
+            <a:off x="3543510" y="3058826"/>
             <a:ext cx="4055616" cy="685800"/>
           </a:xfrm>
         </p:spPr>
@@ -6036,7 +6052,7 @@
         </p:blipFill>
         <p:spPr>
           <a:xfrm rot="20902478">
-            <a:off x="5281069" y="4544276"/>
+            <a:off x="5469653" y="4538666"/>
             <a:ext cx="1498745" cy="1124059"/>
           </a:xfrm>
           <a:prstGeom prst="rect">
@@ -6093,6 +6109,2482 @@
   <p:clrMapOvr>
     <a:masterClrMapping/>
   </p:clrMapOvr>
+  <p:timing>
+    <p:tnLst>
+      <p:par>
+        <p:cTn id="1" dur="indefinite" restart="never" nodeType="tmRoot">
+          <p:childTnLst>
+            <p:seq concurrent="1" nextAc="seek">
+              <p:cTn id="2" dur="indefinite" nodeType="mainSeq">
+                <p:childTnLst>
+                  <p:par>
+                    <p:cTn id="3" fill="hold">
+                      <p:stCondLst>
+                        <p:cond delay="indefinite"/>
+                        <p:cond evt="onBegin" delay="0">
+                          <p:tn val="2"/>
+                        </p:cond>
+                      </p:stCondLst>
+                      <p:childTnLst>
+                        <p:par>
+                          <p:cTn id="4" fill="hold">
+                            <p:stCondLst>
+                              <p:cond delay="0"/>
+                            </p:stCondLst>
+                            <p:childTnLst>
+                              <p:par>
+                                <p:cTn id="5" presetID="45" presetClass="entr" presetSubtype="0" fill="hold" nodeType="withEffect">
+                                  <p:stCondLst>
+                                    <p:cond delay="0"/>
+                                  </p:stCondLst>
+                                  <p:childTnLst>
+                                    <p:set>
+                                      <p:cBhvr>
+                                        <p:cTn id="6" dur="1" fill="hold">
+                                          <p:stCondLst>
+                                            <p:cond delay="0"/>
+                                          </p:stCondLst>
+                                        </p:cTn>
+                                        <p:tgtEl>
+                                          <p:spTgt spid="5"/>
+                                        </p:tgtEl>
+                                        <p:attrNameLst>
+                                          <p:attrName>style.visibility</p:attrName>
+                                        </p:attrNameLst>
+                                      </p:cBhvr>
+                                      <p:to>
+                                        <p:strVal val="visible"/>
+                                      </p:to>
+                                    </p:set>
+                                    <p:animEffect transition="in" filter="fade">
+                                      <p:cBhvr>
+                                        <p:cTn id="7" dur="2000"/>
+                                        <p:tgtEl>
+                                          <p:spTgt spid="5"/>
+                                        </p:tgtEl>
+                                      </p:cBhvr>
+                                    </p:animEffect>
+                                    <p:anim calcmode="lin" valueType="num">
+                                      <p:cBhvr>
+                                        <p:cTn id="8" dur="2000" fill="hold"/>
+                                        <p:tgtEl>
+                                          <p:spTgt spid="5"/>
+                                        </p:tgtEl>
+                                        <p:attrNameLst>
+                                          <p:attrName>ppt_w</p:attrName>
+                                        </p:attrNameLst>
+                                      </p:cBhvr>
+                                      <p:tavLst>
+                                        <p:tav tm="0" fmla="#ppt_w*sin(2.5*pi*$)">
+                                          <p:val>
+                                            <p:fltVal val="0"/>
+                                          </p:val>
+                                        </p:tav>
+                                        <p:tav tm="100000">
+                                          <p:val>
+                                            <p:fltVal val="1"/>
+                                          </p:val>
+                                        </p:tav>
+                                      </p:tavLst>
+                                    </p:anim>
+                                    <p:anim calcmode="lin" valueType="num">
+                                      <p:cBhvr>
+                                        <p:cTn id="9" dur="2000" fill="hold"/>
+                                        <p:tgtEl>
+                                          <p:spTgt spid="5"/>
+                                        </p:tgtEl>
+                                        <p:attrNameLst>
+                                          <p:attrName>ppt_h</p:attrName>
+                                        </p:attrNameLst>
+                                      </p:cBhvr>
+                                      <p:tavLst>
+                                        <p:tav tm="0">
+                                          <p:val>
+                                            <p:strVal val="#ppt_h"/>
+                                          </p:val>
+                                        </p:tav>
+                                        <p:tav tm="100000">
+                                          <p:val>
+                                            <p:strVal val="#ppt_h"/>
+                                          </p:val>
+                                        </p:tav>
+                                      </p:tavLst>
+                                    </p:anim>
+                                  </p:childTnLst>
+                                </p:cTn>
+                              </p:par>
+                              <p:par>
+                                <p:cTn id="10" presetID="16" presetClass="entr" presetSubtype="21" fill="hold" nodeType="withEffect">
+                                  <p:stCondLst>
+                                    <p:cond delay="0"/>
+                                  </p:stCondLst>
+                                  <p:childTnLst>
+                                    <p:set>
+                                      <p:cBhvr>
+                                        <p:cTn id="11" dur="1" fill="hold">
+                                          <p:stCondLst>
+                                            <p:cond delay="0"/>
+                                          </p:stCondLst>
+                                        </p:cTn>
+                                        <p:tgtEl>
+                                          <p:spTgt spid="11"/>
+                                        </p:tgtEl>
+                                        <p:attrNameLst>
+                                          <p:attrName>style.visibility</p:attrName>
+                                        </p:attrNameLst>
+                                      </p:cBhvr>
+                                      <p:to>
+                                        <p:strVal val="visible"/>
+                                      </p:to>
+                                    </p:set>
+                                    <p:animEffect transition="in" filter="barn(inVertical)">
+                                      <p:cBhvr>
+                                        <p:cTn id="12" dur="500"/>
+                                        <p:tgtEl>
+                                          <p:spTgt spid="11"/>
+                                        </p:tgtEl>
+                                      </p:cBhvr>
+                                    </p:animEffect>
+                                  </p:childTnLst>
+                                </p:cTn>
+                              </p:par>
+                              <p:par>
+                                <p:cTn id="13" presetID="42" presetClass="entr" presetSubtype="0" fill="hold" nodeType="withEffect">
+                                  <p:stCondLst>
+                                    <p:cond delay="0"/>
+                                  </p:stCondLst>
+                                  <p:childTnLst>
+                                    <p:set>
+                                      <p:cBhvr>
+                                        <p:cTn id="14" dur="1" fill="hold">
+                                          <p:stCondLst>
+                                            <p:cond delay="0"/>
+                                          </p:stCondLst>
+                                        </p:cTn>
+                                        <p:tgtEl>
+                                          <p:spTgt spid="13"/>
+                                        </p:tgtEl>
+                                        <p:attrNameLst>
+                                          <p:attrName>style.visibility</p:attrName>
+                                        </p:attrNameLst>
+                                      </p:cBhvr>
+                                      <p:to>
+                                        <p:strVal val="visible"/>
+                                      </p:to>
+                                    </p:set>
+                                    <p:animEffect transition="in" filter="fade">
+                                      <p:cBhvr>
+                                        <p:cTn id="15" dur="1000"/>
+                                        <p:tgtEl>
+                                          <p:spTgt spid="13"/>
+                                        </p:tgtEl>
+                                      </p:cBhvr>
+                                    </p:animEffect>
+                                    <p:anim calcmode="lin" valueType="num">
+                                      <p:cBhvr>
+                                        <p:cTn id="16" dur="1000" fill="hold"/>
+                                        <p:tgtEl>
+                                          <p:spTgt spid="13"/>
+                                        </p:tgtEl>
+                                        <p:attrNameLst>
+                                          <p:attrName>ppt_x</p:attrName>
+                                        </p:attrNameLst>
+                                      </p:cBhvr>
+                                      <p:tavLst>
+                                        <p:tav tm="0">
+                                          <p:val>
+                                            <p:strVal val="#ppt_x"/>
+                                          </p:val>
+                                        </p:tav>
+                                        <p:tav tm="100000">
+                                          <p:val>
+                                            <p:strVal val="#ppt_x"/>
+                                          </p:val>
+                                        </p:tav>
+                                      </p:tavLst>
+                                    </p:anim>
+                                    <p:anim calcmode="lin" valueType="num">
+                                      <p:cBhvr>
+                                        <p:cTn id="17" dur="1000" fill="hold"/>
+                                        <p:tgtEl>
+                                          <p:spTgt spid="13"/>
+                                        </p:tgtEl>
+                                        <p:attrNameLst>
+                                          <p:attrName>ppt_y</p:attrName>
+                                        </p:attrNameLst>
+                                      </p:cBhvr>
+                                      <p:tavLst>
+                                        <p:tav tm="0">
+                                          <p:val>
+                                            <p:strVal val="#ppt_y+.1"/>
+                                          </p:val>
+                                        </p:tav>
+                                        <p:tav tm="100000">
+                                          <p:val>
+                                            <p:strVal val="#ppt_y"/>
+                                          </p:val>
+                                        </p:tav>
+                                      </p:tavLst>
+                                    </p:anim>
+                                  </p:childTnLst>
+                                </p:cTn>
+                              </p:par>
+                            </p:childTnLst>
+                          </p:cTn>
+                        </p:par>
+                      </p:childTnLst>
+                    </p:cTn>
+                  </p:par>
+                  <p:par>
+                    <p:cTn id="18" fill="hold">
+                      <p:stCondLst>
+                        <p:cond delay="indefinite"/>
+                      </p:stCondLst>
+                      <p:childTnLst>
+                        <p:par>
+                          <p:cTn id="19" fill="hold">
+                            <p:stCondLst>
+                              <p:cond delay="0"/>
+                            </p:stCondLst>
+                            <p:childTnLst>
+                              <p:par>
+                                <p:cTn id="20" presetID="22" presetClass="entr" presetSubtype="4" fill="hold" nodeType="clickEffect">
+                                  <p:stCondLst>
+                                    <p:cond delay="0"/>
+                                  </p:stCondLst>
+                                  <p:childTnLst>
+                                    <p:set>
+                                      <p:cBhvr>
+                                        <p:cTn id="21" dur="1" fill="hold">
+                                          <p:stCondLst>
+                                            <p:cond delay="0"/>
+                                          </p:stCondLst>
+                                        </p:cTn>
+                                        <p:tgtEl>
+                                          <p:spTgt spid="7"/>
+                                        </p:tgtEl>
+                                        <p:attrNameLst>
+                                          <p:attrName>style.visibility</p:attrName>
+                                        </p:attrNameLst>
+                                      </p:cBhvr>
+                                      <p:to>
+                                        <p:strVal val="visible"/>
+                                      </p:to>
+                                    </p:set>
+                                    <p:animEffect transition="in" filter="wipe(down)">
+                                      <p:cBhvr>
+                                        <p:cTn id="22" dur="500"/>
+                                        <p:tgtEl>
+                                          <p:spTgt spid="7"/>
+                                        </p:tgtEl>
+                                      </p:cBhvr>
+                                    </p:animEffect>
+                                  </p:childTnLst>
+                                </p:cTn>
+                              </p:par>
+                              <p:par>
+                                <p:cTn id="23" presetID="22" presetClass="entr" presetSubtype="4" fill="hold" nodeType="withEffect">
+                                  <p:stCondLst>
+                                    <p:cond delay="0"/>
+                                  </p:stCondLst>
+                                  <p:childTnLst>
+                                    <p:set>
+                                      <p:cBhvr>
+                                        <p:cTn id="24" dur="1" fill="hold">
+                                          <p:stCondLst>
+                                            <p:cond delay="0"/>
+                                          </p:stCondLst>
+                                        </p:cTn>
+                                        <p:tgtEl>
+                                          <p:spTgt spid="9"/>
+                                        </p:tgtEl>
+                                        <p:attrNameLst>
+                                          <p:attrName>style.visibility</p:attrName>
+                                        </p:attrNameLst>
+                                      </p:cBhvr>
+                                      <p:to>
+                                        <p:strVal val="visible"/>
+                                      </p:to>
+                                    </p:set>
+                                    <p:animEffect transition="in" filter="wipe(down)">
+                                      <p:cBhvr>
+                                        <p:cTn id="25" dur="500"/>
+                                        <p:tgtEl>
+                                          <p:spTgt spid="9"/>
+                                        </p:tgtEl>
+                                      </p:cBhvr>
+                                    </p:animEffect>
+                                  </p:childTnLst>
+                                </p:cTn>
+                              </p:par>
+                              <p:par>
+                                <p:cTn id="26" presetID="9" presetClass="entr" presetSubtype="0" fill="hold" nodeType="withEffect">
+                                  <p:stCondLst>
+                                    <p:cond delay="0"/>
+                                  </p:stCondLst>
+                                  <p:childTnLst>
+                                    <p:set>
+                                      <p:cBhvr>
+                                        <p:cTn id="27" dur="1" fill="hold">
+                                          <p:stCondLst>
+                                            <p:cond delay="0"/>
+                                          </p:stCondLst>
+                                        </p:cTn>
+                                        <p:tgtEl>
+                                          <p:spTgt spid="15"/>
+                                        </p:tgtEl>
+                                        <p:attrNameLst>
+                                          <p:attrName>style.visibility</p:attrName>
+                                        </p:attrNameLst>
+                                      </p:cBhvr>
+                                      <p:to>
+                                        <p:strVal val="visible"/>
+                                      </p:to>
+                                    </p:set>
+                                    <p:animEffect transition="in" filter="dissolve">
+                                      <p:cBhvr>
+                                        <p:cTn id="28" dur="500"/>
+                                        <p:tgtEl>
+                                          <p:spTgt spid="15"/>
+                                        </p:tgtEl>
+                                      </p:cBhvr>
+                                    </p:animEffect>
+                                  </p:childTnLst>
+                                </p:cTn>
+                              </p:par>
+                              <p:par>
+                                <p:cTn id="29" presetID="21" presetClass="entr" presetSubtype="1" fill="hold" nodeType="withEffect">
+                                  <p:stCondLst>
+                                    <p:cond delay="0"/>
+                                  </p:stCondLst>
+                                  <p:childTnLst>
+                                    <p:set>
+                                      <p:cBhvr>
+                                        <p:cTn id="30" dur="1" fill="hold">
+                                          <p:stCondLst>
+                                            <p:cond delay="0"/>
+                                          </p:stCondLst>
+                                        </p:cTn>
+                                        <p:tgtEl>
+                                          <p:spTgt spid="17"/>
+                                        </p:tgtEl>
+                                        <p:attrNameLst>
+                                          <p:attrName>style.visibility</p:attrName>
+                                        </p:attrNameLst>
+                                      </p:cBhvr>
+                                      <p:to>
+                                        <p:strVal val="visible"/>
+                                      </p:to>
+                                    </p:set>
+                                    <p:animEffect transition="in" filter="wheel(1)">
+                                      <p:cBhvr>
+                                        <p:cTn id="31" dur="2000"/>
+                                        <p:tgtEl>
+                                          <p:spTgt spid="17"/>
+                                        </p:tgtEl>
+                                      </p:cBhvr>
+                                    </p:animEffect>
+                                  </p:childTnLst>
+                                </p:cTn>
+                              </p:par>
+                            </p:childTnLst>
+                          </p:cTn>
+                        </p:par>
+                      </p:childTnLst>
+                    </p:cTn>
+                  </p:par>
+                  <p:par>
+                    <p:cTn id="32" fill="hold">
+                      <p:stCondLst>
+                        <p:cond delay="indefinite"/>
+                      </p:stCondLst>
+                      <p:childTnLst>
+                        <p:par>
+                          <p:cTn id="33" fill="hold">
+                            <p:stCondLst>
+                              <p:cond delay="0"/>
+                            </p:stCondLst>
+                            <p:childTnLst>
+                              <p:par>
+                                <p:cTn id="34" presetID="13" presetClass="entr" presetSubtype="16" fill="hold" grpId="0" nodeType="clickEffect">
+                                  <p:stCondLst>
+                                    <p:cond delay="0"/>
+                                  </p:stCondLst>
+                                  <p:childTnLst>
+                                    <p:set>
+                                      <p:cBhvr>
+                                        <p:cTn id="35" dur="1" fill="hold">
+                                          <p:stCondLst>
+                                            <p:cond delay="0"/>
+                                          </p:stCondLst>
+                                        </p:cTn>
+                                        <p:tgtEl>
+                                          <p:spTgt spid="2"/>
+                                        </p:tgtEl>
+                                        <p:attrNameLst>
+                                          <p:attrName>style.visibility</p:attrName>
+                                        </p:attrNameLst>
+                                      </p:cBhvr>
+                                      <p:to>
+                                        <p:strVal val="visible"/>
+                                      </p:to>
+                                    </p:set>
+                                    <p:animEffect transition="in" filter="plus(in)">
+                                      <p:cBhvr>
+                                        <p:cTn id="36" dur="2000"/>
+                                        <p:tgtEl>
+                                          <p:spTgt spid="2"/>
+                                        </p:tgtEl>
+                                      </p:cBhvr>
+                                    </p:animEffect>
+                                  </p:childTnLst>
+                                </p:cTn>
+                              </p:par>
+                            </p:childTnLst>
+                          </p:cTn>
+                        </p:par>
+                      </p:childTnLst>
+                    </p:cTn>
+                  </p:par>
+                  <p:par>
+                    <p:cTn id="37" fill="hold">
+                      <p:stCondLst>
+                        <p:cond delay="indefinite"/>
+                      </p:stCondLst>
+                      <p:childTnLst>
+                        <p:par>
+                          <p:cTn id="38" fill="hold">
+                            <p:stCondLst>
+                              <p:cond delay="0"/>
+                            </p:stCondLst>
+                            <p:childTnLst>
+                              <p:par>
+                                <p:cTn id="39" presetID="26" presetClass="entr" presetSubtype="0" fill="hold" grpId="0" nodeType="clickEffect">
+                                  <p:stCondLst>
+                                    <p:cond delay="0"/>
+                                  </p:stCondLst>
+                                  <p:childTnLst>
+                                    <p:set>
+                                      <p:cBhvr>
+                                        <p:cTn id="40" dur="1" fill="hold">
+                                          <p:stCondLst>
+                                            <p:cond delay="0"/>
+                                          </p:stCondLst>
+                                        </p:cTn>
+                                        <p:tgtEl>
+                                          <p:spTgt spid="3">
+                                            <p:txEl>
+                                              <p:pRg st="0" end="0"/>
+                                            </p:txEl>
+                                          </p:spTgt>
+                                        </p:tgtEl>
+                                        <p:attrNameLst>
+                                          <p:attrName>style.visibility</p:attrName>
+                                        </p:attrNameLst>
+                                      </p:cBhvr>
+                                      <p:to>
+                                        <p:strVal val="visible"/>
+                                      </p:to>
+                                    </p:set>
+                                    <p:animEffect transition="in" filter="wipe(down)">
+                                      <p:cBhvr>
+                                        <p:cTn id="41" dur="580">
+                                          <p:stCondLst>
+                                            <p:cond delay="0"/>
+                                          </p:stCondLst>
+                                        </p:cTn>
+                                        <p:tgtEl>
+                                          <p:spTgt spid="3">
+                                            <p:txEl>
+                                              <p:pRg st="0" end="0"/>
+                                            </p:txEl>
+                                          </p:spTgt>
+                                        </p:tgtEl>
+                                      </p:cBhvr>
+                                    </p:animEffect>
+                                    <p:anim calcmode="lin" valueType="num">
+                                      <p:cBhvr>
+                                        <p:cTn id="42" dur="1822" tmFilter="0,0; 0.14,0.36; 0.43,0.73; 0.71,0.91; 1.0,1.0">
+                                          <p:stCondLst>
+                                            <p:cond delay="0"/>
+                                          </p:stCondLst>
+                                        </p:cTn>
+                                        <p:tgtEl>
+                                          <p:spTgt spid="3">
+                                            <p:txEl>
+                                              <p:pRg st="0" end="0"/>
+                                            </p:txEl>
+                                          </p:spTgt>
+                                        </p:tgtEl>
+                                        <p:attrNameLst>
+                                          <p:attrName>ppt_x</p:attrName>
+                                        </p:attrNameLst>
+                                      </p:cBhvr>
+                                      <p:tavLst>
+                                        <p:tav tm="0">
+                                          <p:val>
+                                            <p:strVal val="#ppt_x-0.25"/>
+                                          </p:val>
+                                        </p:tav>
+                                        <p:tav tm="100000">
+                                          <p:val>
+                                            <p:strVal val="#ppt_x"/>
+                                          </p:val>
+                                        </p:tav>
+                                      </p:tavLst>
+                                    </p:anim>
+                                    <p:anim calcmode="lin" valueType="num">
+                                      <p:cBhvr>
+                                        <p:cTn id="43" dur="664" tmFilter="0.0,0.0; 0.25,0.07; 0.50,0.2; 0.75,0.467; 1.0,1.0">
+                                          <p:stCondLst>
+                                            <p:cond delay="0"/>
+                                          </p:stCondLst>
+                                        </p:cTn>
+                                        <p:tgtEl>
+                                          <p:spTgt spid="3">
+                                            <p:txEl>
+                                              <p:pRg st="0" end="0"/>
+                                            </p:txEl>
+                                          </p:spTgt>
+                                        </p:tgtEl>
+                                        <p:attrNameLst>
+                                          <p:attrName>ppt_y</p:attrName>
+                                        </p:attrNameLst>
+                                      </p:cBhvr>
+                                      <p:tavLst>
+                                        <p:tav tm="0" fmla="#ppt_y-sin(pi*$)/3">
+                                          <p:val>
+                                            <p:fltVal val="0.5"/>
+                                          </p:val>
+                                        </p:tav>
+                                        <p:tav tm="100000">
+                                          <p:val>
+                                            <p:fltVal val="1"/>
+                                          </p:val>
+                                        </p:tav>
+                                      </p:tavLst>
+                                    </p:anim>
+                                    <p:anim calcmode="lin" valueType="num">
+                                      <p:cBhvr>
+                                        <p:cTn id="44" dur="664" tmFilter="0, 0; 0.125,0.2665; 0.25,0.4; 0.375,0.465; 0.5,0.5;  0.625,0.535; 0.75,0.6; 0.875,0.7335; 1,1">
+                                          <p:stCondLst>
+                                            <p:cond delay="664"/>
+                                          </p:stCondLst>
+                                        </p:cTn>
+                                        <p:tgtEl>
+                                          <p:spTgt spid="3">
+                                            <p:txEl>
+                                              <p:pRg st="0" end="0"/>
+                                            </p:txEl>
+                                          </p:spTgt>
+                                        </p:tgtEl>
+                                        <p:attrNameLst>
+                                          <p:attrName>ppt_y</p:attrName>
+                                        </p:attrNameLst>
+                                      </p:cBhvr>
+                                      <p:tavLst>
+                                        <p:tav tm="0" fmla="#ppt_y-sin(pi*$)/9">
+                                          <p:val>
+                                            <p:fltVal val="0"/>
+                                          </p:val>
+                                        </p:tav>
+                                        <p:tav tm="100000">
+                                          <p:val>
+                                            <p:fltVal val="1"/>
+                                          </p:val>
+                                        </p:tav>
+                                      </p:tavLst>
+                                    </p:anim>
+                                    <p:anim calcmode="lin" valueType="num">
+                                      <p:cBhvr>
+                                        <p:cTn id="45" dur="332" tmFilter="0, 0; 0.125,0.2665; 0.25,0.4; 0.375,0.465; 0.5,0.5;  0.625,0.535; 0.75,0.6; 0.875,0.7335; 1,1">
+                                          <p:stCondLst>
+                                            <p:cond delay="1324"/>
+                                          </p:stCondLst>
+                                        </p:cTn>
+                                        <p:tgtEl>
+                                          <p:spTgt spid="3">
+                                            <p:txEl>
+                                              <p:pRg st="0" end="0"/>
+                                            </p:txEl>
+                                          </p:spTgt>
+                                        </p:tgtEl>
+                                        <p:attrNameLst>
+                                          <p:attrName>ppt_y</p:attrName>
+                                        </p:attrNameLst>
+                                      </p:cBhvr>
+                                      <p:tavLst>
+                                        <p:tav tm="0" fmla="#ppt_y-sin(pi*$)/27">
+                                          <p:val>
+                                            <p:fltVal val="0"/>
+                                          </p:val>
+                                        </p:tav>
+                                        <p:tav tm="100000">
+                                          <p:val>
+                                            <p:fltVal val="1"/>
+                                          </p:val>
+                                        </p:tav>
+                                      </p:tavLst>
+                                    </p:anim>
+                                    <p:anim calcmode="lin" valueType="num">
+                                      <p:cBhvr>
+                                        <p:cTn id="46" dur="164" tmFilter="0, 0; 0.125,0.2665; 0.25,0.4; 0.375,0.465; 0.5,0.5;  0.625,0.535; 0.75,0.6; 0.875,0.7335; 1,1">
+                                          <p:stCondLst>
+                                            <p:cond delay="1656"/>
+                                          </p:stCondLst>
+                                        </p:cTn>
+                                        <p:tgtEl>
+                                          <p:spTgt spid="3">
+                                            <p:txEl>
+                                              <p:pRg st="0" end="0"/>
+                                            </p:txEl>
+                                          </p:spTgt>
+                                        </p:tgtEl>
+                                        <p:attrNameLst>
+                                          <p:attrName>ppt_y</p:attrName>
+                                        </p:attrNameLst>
+                                      </p:cBhvr>
+                                      <p:tavLst>
+                                        <p:tav tm="0" fmla="#ppt_y-sin(pi*$)/81">
+                                          <p:val>
+                                            <p:fltVal val="0"/>
+                                          </p:val>
+                                        </p:tav>
+                                        <p:tav tm="100000">
+                                          <p:val>
+                                            <p:fltVal val="1"/>
+                                          </p:val>
+                                        </p:tav>
+                                      </p:tavLst>
+                                    </p:anim>
+                                    <p:animScale>
+                                      <p:cBhvr>
+                                        <p:cTn id="47" dur="26">
+                                          <p:stCondLst>
+                                            <p:cond delay="650"/>
+                                          </p:stCondLst>
+                                        </p:cTn>
+                                        <p:tgtEl>
+                                          <p:spTgt spid="3">
+                                            <p:txEl>
+                                              <p:pRg st="0" end="0"/>
+                                            </p:txEl>
+                                          </p:spTgt>
+                                        </p:tgtEl>
+                                      </p:cBhvr>
+                                      <p:to x="100000" y="60000"/>
+                                    </p:animScale>
+                                    <p:animScale>
+                                      <p:cBhvr>
+                                        <p:cTn id="48" dur="166" decel="50000">
+                                          <p:stCondLst>
+                                            <p:cond delay="676"/>
+                                          </p:stCondLst>
+                                        </p:cTn>
+                                        <p:tgtEl>
+                                          <p:spTgt spid="3">
+                                            <p:txEl>
+                                              <p:pRg st="0" end="0"/>
+                                            </p:txEl>
+                                          </p:spTgt>
+                                        </p:tgtEl>
+                                      </p:cBhvr>
+                                      <p:to x="100000" y="100000"/>
+                                    </p:animScale>
+                                    <p:animScale>
+                                      <p:cBhvr>
+                                        <p:cTn id="49" dur="26">
+                                          <p:stCondLst>
+                                            <p:cond delay="1312"/>
+                                          </p:stCondLst>
+                                        </p:cTn>
+                                        <p:tgtEl>
+                                          <p:spTgt spid="3">
+                                            <p:txEl>
+                                              <p:pRg st="0" end="0"/>
+                                            </p:txEl>
+                                          </p:spTgt>
+                                        </p:tgtEl>
+                                      </p:cBhvr>
+                                      <p:to x="100000" y="80000"/>
+                                    </p:animScale>
+                                    <p:animScale>
+                                      <p:cBhvr>
+                                        <p:cTn id="50" dur="166" decel="50000">
+                                          <p:stCondLst>
+                                            <p:cond delay="1338"/>
+                                          </p:stCondLst>
+                                        </p:cTn>
+                                        <p:tgtEl>
+                                          <p:spTgt spid="3">
+                                            <p:txEl>
+                                              <p:pRg st="0" end="0"/>
+                                            </p:txEl>
+                                          </p:spTgt>
+                                        </p:tgtEl>
+                                      </p:cBhvr>
+                                      <p:to x="100000" y="100000"/>
+                                    </p:animScale>
+                                    <p:animScale>
+                                      <p:cBhvr>
+                                        <p:cTn id="51" dur="26">
+                                          <p:stCondLst>
+                                            <p:cond delay="1642"/>
+                                          </p:stCondLst>
+                                        </p:cTn>
+                                        <p:tgtEl>
+                                          <p:spTgt spid="3">
+                                            <p:txEl>
+                                              <p:pRg st="0" end="0"/>
+                                            </p:txEl>
+                                          </p:spTgt>
+                                        </p:tgtEl>
+                                      </p:cBhvr>
+                                      <p:to x="100000" y="90000"/>
+                                    </p:animScale>
+                                    <p:animScale>
+                                      <p:cBhvr>
+                                        <p:cTn id="52" dur="166" decel="50000">
+                                          <p:stCondLst>
+                                            <p:cond delay="1668"/>
+                                          </p:stCondLst>
+                                        </p:cTn>
+                                        <p:tgtEl>
+                                          <p:spTgt spid="3">
+                                            <p:txEl>
+                                              <p:pRg st="0" end="0"/>
+                                            </p:txEl>
+                                          </p:spTgt>
+                                        </p:tgtEl>
+                                      </p:cBhvr>
+                                      <p:to x="100000" y="100000"/>
+                                    </p:animScale>
+                                    <p:animScale>
+                                      <p:cBhvr>
+                                        <p:cTn id="53" dur="26">
+                                          <p:stCondLst>
+                                            <p:cond delay="1808"/>
+                                          </p:stCondLst>
+                                        </p:cTn>
+                                        <p:tgtEl>
+                                          <p:spTgt spid="3">
+                                            <p:txEl>
+                                              <p:pRg st="0" end="0"/>
+                                            </p:txEl>
+                                          </p:spTgt>
+                                        </p:tgtEl>
+                                      </p:cBhvr>
+                                      <p:to x="100000" y="95000"/>
+                                    </p:animScale>
+                                    <p:animScale>
+                                      <p:cBhvr>
+                                        <p:cTn id="54" dur="166" decel="50000">
+                                          <p:stCondLst>
+                                            <p:cond delay="1834"/>
+                                          </p:stCondLst>
+                                        </p:cTn>
+                                        <p:tgtEl>
+                                          <p:spTgt spid="3">
+                                            <p:txEl>
+                                              <p:pRg st="0" end="0"/>
+                                            </p:txEl>
+                                          </p:spTgt>
+                                        </p:tgtEl>
+                                      </p:cBhvr>
+                                      <p:to x="100000" y="100000"/>
+                                    </p:animScale>
+                                  </p:childTnLst>
+                                </p:cTn>
+                              </p:par>
+                            </p:childTnLst>
+                          </p:cTn>
+                        </p:par>
+                      </p:childTnLst>
+                    </p:cTn>
+                  </p:par>
+                  <p:par>
+                    <p:cTn id="55" fill="hold">
+                      <p:stCondLst>
+                        <p:cond delay="indefinite"/>
+                      </p:stCondLst>
+                      <p:childTnLst>
+                        <p:par>
+                          <p:cTn id="56" fill="hold">
+                            <p:stCondLst>
+                              <p:cond delay="0"/>
+                            </p:stCondLst>
+                            <p:childTnLst>
+                              <p:par>
+                                <p:cTn id="57" presetID="14" presetClass="exit" presetSubtype="10" fill="hold" grpId="1" nodeType="clickEffect">
+                                  <p:stCondLst>
+                                    <p:cond delay="0"/>
+                                  </p:stCondLst>
+                                  <p:childTnLst>
+                                    <p:animEffect transition="out" filter="randombar(horizontal)">
+                                      <p:cBhvr>
+                                        <p:cTn id="58" dur="500"/>
+                                        <p:tgtEl>
+                                          <p:spTgt spid="2"/>
+                                        </p:tgtEl>
+                                      </p:cBhvr>
+                                    </p:animEffect>
+                                    <p:set>
+                                      <p:cBhvr>
+                                        <p:cTn id="59" dur="1" fill="hold">
+                                          <p:stCondLst>
+                                            <p:cond delay="499"/>
+                                          </p:stCondLst>
+                                        </p:cTn>
+                                        <p:tgtEl>
+                                          <p:spTgt spid="2"/>
+                                        </p:tgtEl>
+                                        <p:attrNameLst>
+                                          <p:attrName>style.visibility</p:attrName>
+                                        </p:attrNameLst>
+                                      </p:cBhvr>
+                                      <p:to>
+                                        <p:strVal val="hidden"/>
+                                      </p:to>
+                                    </p:set>
+                                  </p:childTnLst>
+                                </p:cTn>
+                              </p:par>
+                            </p:childTnLst>
+                          </p:cTn>
+                        </p:par>
+                      </p:childTnLst>
+                    </p:cTn>
+                  </p:par>
+                  <p:par>
+                    <p:cTn id="60" fill="hold">
+                      <p:stCondLst>
+                        <p:cond delay="indefinite"/>
+                      </p:stCondLst>
+                      <p:childTnLst>
+                        <p:par>
+                          <p:cTn id="61" fill="hold">
+                            <p:stCondLst>
+                              <p:cond delay="0"/>
+                            </p:stCondLst>
+                            <p:childTnLst>
+                              <p:par>
+                                <p:cTn id="62" presetID="26" presetClass="exit" presetSubtype="0" fill="hold" grpId="1" nodeType="clickEffect">
+                                  <p:stCondLst>
+                                    <p:cond delay="0"/>
+                                  </p:stCondLst>
+                                  <p:childTnLst>
+                                    <p:animEffect transition="out" filter="wipe(down)">
+                                      <p:cBhvr>
+                                        <p:cTn id="63" dur="180" accel="50000">
+                                          <p:stCondLst>
+                                            <p:cond delay="1820"/>
+                                          </p:stCondLst>
+                                        </p:cTn>
+                                        <p:tgtEl>
+                                          <p:spTgt spid="3">
+                                            <p:txEl>
+                                              <p:pRg st="0" end="0"/>
+                                            </p:txEl>
+                                          </p:spTgt>
+                                        </p:tgtEl>
+                                      </p:cBhvr>
+                                    </p:animEffect>
+                                    <p:anim calcmode="lin" valueType="num">
+                                      <p:cBhvr>
+                                        <p:cTn id="64" dur="1822" tmFilter="0,0; 0.14,0.31; 0.43,0.73; 0.71,0.91; 1.0,1.0">
+                                          <p:stCondLst>
+                                            <p:cond delay="0"/>
+                                          </p:stCondLst>
+                                        </p:cTn>
+                                        <p:tgtEl>
+                                          <p:spTgt spid="3">
+                                            <p:txEl>
+                                              <p:pRg st="0" end="0"/>
+                                            </p:txEl>
+                                          </p:spTgt>
+                                        </p:tgtEl>
+                                        <p:attrNameLst>
+                                          <p:attrName>ppt_x</p:attrName>
+                                        </p:attrNameLst>
+                                      </p:cBhvr>
+                                      <p:tavLst>
+                                        <p:tav tm="0">
+                                          <p:val>
+                                            <p:strVal val="ppt_x"/>
+                                          </p:val>
+                                        </p:tav>
+                                        <p:tav tm="100000">
+                                          <p:val>
+                                            <p:strVal val="#ppt_x+0.25"/>
+                                          </p:val>
+                                        </p:tav>
+                                      </p:tavLst>
+                                    </p:anim>
+                                    <p:anim calcmode="lin" valueType="num">
+                                      <p:cBhvr>
+                                        <p:cTn id="65" dur="178">
+                                          <p:stCondLst>
+                                            <p:cond delay="1822"/>
+                                          </p:stCondLst>
+                                        </p:cTn>
+                                        <p:tgtEl>
+                                          <p:spTgt spid="3">
+                                            <p:txEl>
+                                              <p:pRg st="0" end="0"/>
+                                            </p:txEl>
+                                          </p:spTgt>
+                                        </p:tgtEl>
+                                        <p:attrNameLst>
+                                          <p:attrName>ppt_x</p:attrName>
+                                        </p:attrNameLst>
+                                      </p:cBhvr>
+                                      <p:tavLst>
+                                        <p:tav tm="0">
+                                          <p:val>
+                                            <p:strVal val="ppt_x"/>
+                                          </p:val>
+                                        </p:tav>
+                                        <p:tav tm="100000">
+                                          <p:val>
+                                            <p:strVal val="ppt_x"/>
+                                          </p:val>
+                                        </p:tav>
+                                      </p:tavLst>
+                                    </p:anim>
+                                    <p:anim calcmode="lin" valueType="num">
+                                      <p:cBhvr>
+                                        <p:cTn id="66" dur="664" tmFilter="0.0,0.0;0.25,0.07;0.50,0.2;0.75,0.467;1.0,1.0">
+                                          <p:stCondLst>
+                                            <p:cond delay="0"/>
+                                          </p:stCondLst>
+                                        </p:cTn>
+                                        <p:tgtEl>
+                                          <p:spTgt spid="3">
+                                            <p:txEl>
+                                              <p:pRg st="0" end="0"/>
+                                            </p:txEl>
+                                          </p:spTgt>
+                                        </p:tgtEl>
+                                        <p:attrNameLst>
+                                          <p:attrName>ppt_y</p:attrName>
+                                        </p:attrNameLst>
+                                      </p:cBhvr>
+                                      <p:tavLst>
+                                        <p:tav tm="0">
+                                          <p:val>
+                                            <p:strVal val="ppt_y"/>
+                                          </p:val>
+                                        </p:tav>
+                                        <p:tav tm="5000">
+                                          <p:val>
+                                            <p:strVal val="ppt_y+0.026"/>
+                                          </p:val>
+                                        </p:tav>
+                                        <p:tav tm="10000">
+                                          <p:val>
+                                            <p:strVal val="ppt_y+0.052"/>
+                                          </p:val>
+                                        </p:tav>
+                                        <p:tav tm="15000">
+                                          <p:val>
+                                            <p:strVal val="ppt_y+0.078"/>
+                                          </p:val>
+                                        </p:tav>
+                                        <p:tav tm="20000">
+                                          <p:val>
+                                            <p:strVal val="ppt_y+0.103"/>
+                                          </p:val>
+                                        </p:tav>
+                                        <p:tav tm="30000">
+                                          <p:val>
+                                            <p:strVal val="ppt_y+0.151"/>
+                                          </p:val>
+                                        </p:tav>
+                                        <p:tav tm="40000">
+                                          <p:val>
+                                            <p:strVal val="ppt_y+0.196"/>
+                                          </p:val>
+                                        </p:tav>
+                                        <p:tav tm="50000">
+                                          <p:val>
+                                            <p:strVal val="ppt_y+0.236"/>
+                                          </p:val>
+                                        </p:tav>
+                                        <p:tav tm="60000">
+                                          <p:val>
+                                            <p:strVal val="ppt_y+0.270"/>
+                                          </p:val>
+                                        </p:tav>
+                                        <p:tav tm="70000">
+                                          <p:val>
+                                            <p:strVal val="ppt_y+0.297"/>
+                                          </p:val>
+                                        </p:tav>
+                                        <p:tav tm="80000">
+                                          <p:val>
+                                            <p:strVal val="ppt_y+0.317"/>
+                                          </p:val>
+                                        </p:tav>
+                                        <p:tav tm="90000">
+                                          <p:val>
+                                            <p:strVal val="ppt_y+0.329"/>
+                                          </p:val>
+                                        </p:tav>
+                                        <p:tav tm="100000">
+                                          <p:val>
+                                            <p:strVal val="ppt_y+0.333"/>
+                                          </p:val>
+                                        </p:tav>
+                                      </p:tavLst>
+                                    </p:anim>
+                                    <p:anim calcmode="lin" valueType="num">
+                                      <p:cBhvr>
+                                        <p:cTn id="67" dur="664" tmFilter="0, 0; 0.125,0.2665; 0.25,0.4; 0.375,0.465; 0.5,0.5;  0.625,0.535; 0.75,0.6; 0.875,0.7335; 1,1">
+                                          <p:stCondLst>
+                                            <p:cond delay="664"/>
+                                          </p:stCondLst>
+                                        </p:cTn>
+                                        <p:tgtEl>
+                                          <p:spTgt spid="3">
+                                            <p:txEl>
+                                              <p:pRg st="0" end="0"/>
+                                            </p:txEl>
+                                          </p:spTgt>
+                                        </p:tgtEl>
+                                        <p:attrNameLst>
+                                          <p:attrName>ppt_y</p:attrName>
+                                        </p:attrNameLst>
+                                      </p:cBhvr>
+                                      <p:tavLst>
+                                        <p:tav tm="0">
+                                          <p:val>
+                                            <p:strVal val="ppt_y"/>
+                                          </p:val>
+                                        </p:tav>
+                                        <p:tav tm="10000">
+                                          <p:val>
+                                            <p:strVal val="ppt_y-0.034"/>
+                                          </p:val>
+                                        </p:tav>
+                                        <p:tav tm="20000">
+                                          <p:val>
+                                            <p:strVal val="ppt_y-0.065"/>
+                                          </p:val>
+                                        </p:tav>
+                                        <p:tav tm="30000">
+                                          <p:val>
+                                            <p:strVal val="ppt_y-0.090"/>
+                                          </p:val>
+                                        </p:tav>
+                                        <p:tav tm="40000">
+                                          <p:val>
+                                            <p:strVal val="ppt_y-0.106"/>
+                                          </p:val>
+                                        </p:tav>
+                                        <p:tav tm="50000">
+                                          <p:val>
+                                            <p:strVal val="ppt_y-0.111"/>
+                                          </p:val>
+                                        </p:tav>
+                                        <p:tav tm="60000">
+                                          <p:val>
+                                            <p:strVal val="ppt_y-0.106"/>
+                                          </p:val>
+                                        </p:tav>
+                                        <p:tav tm="70000">
+                                          <p:val>
+                                            <p:strVal val="ppt_y-0.090"/>
+                                          </p:val>
+                                        </p:tav>
+                                        <p:tav tm="80000">
+                                          <p:val>
+                                            <p:strVal val="ppt_y-0.065"/>
+                                          </p:val>
+                                        </p:tav>
+                                        <p:tav tm="90000">
+                                          <p:val>
+                                            <p:strVal val="ppt_y-0.034"/>
+                                          </p:val>
+                                        </p:tav>
+                                        <p:tav tm="100000">
+                                          <p:val>
+                                            <p:strVal val="ppt_y"/>
+                                          </p:val>
+                                        </p:tav>
+                                      </p:tavLst>
+                                    </p:anim>
+                                    <p:anim calcmode="lin" valueType="num">
+                                      <p:cBhvr>
+                                        <p:cTn id="68" dur="332" tmFilter="0, 0; 0.125,0.2665; 0.25,0.4; 0.375,0.465; 0.5,0.5;  0.625,0.535; 0.75,0.6; 0.875,0.7335; 1,1">
+                                          <p:stCondLst>
+                                            <p:cond delay="1324"/>
+                                          </p:stCondLst>
+                                        </p:cTn>
+                                        <p:tgtEl>
+                                          <p:spTgt spid="3">
+                                            <p:txEl>
+                                              <p:pRg st="0" end="0"/>
+                                            </p:txEl>
+                                          </p:spTgt>
+                                        </p:tgtEl>
+                                        <p:attrNameLst>
+                                          <p:attrName>ppt_y</p:attrName>
+                                        </p:attrNameLst>
+                                      </p:cBhvr>
+                                      <p:tavLst>
+                                        <p:tav tm="0">
+                                          <p:val>
+                                            <p:strVal val="ppt_y"/>
+                                          </p:val>
+                                        </p:tav>
+                                        <p:tav tm="10000">
+                                          <p:val>
+                                            <p:strVal val="ppt_y-0.011"/>
+                                          </p:val>
+                                        </p:tav>
+                                        <p:tav tm="20000">
+                                          <p:val>
+                                            <p:strVal val="ppt_y-0.022"/>
+                                          </p:val>
+                                        </p:tav>
+                                        <p:tav tm="30000">
+                                          <p:val>
+                                            <p:strVal val="ppt_y-0.030"/>
+                                          </p:val>
+                                        </p:tav>
+                                        <p:tav tm="40000">
+                                          <p:val>
+                                            <p:strVal val="ppt_y-0.035"/>
+                                          </p:val>
+                                        </p:tav>
+                                        <p:tav tm="50000">
+                                          <p:val>
+                                            <p:strVal val="ppt_y-0.037"/>
+                                          </p:val>
+                                        </p:tav>
+                                        <p:tav tm="60000">
+                                          <p:val>
+                                            <p:strVal val="ppt_y-0.035"/>
+                                          </p:val>
+                                        </p:tav>
+                                        <p:tav tm="70000">
+                                          <p:val>
+                                            <p:strVal val="ppt_y-0.030"/>
+                                          </p:val>
+                                        </p:tav>
+                                        <p:tav tm="80000">
+                                          <p:val>
+                                            <p:strVal val="ppt_y-0.022"/>
+                                          </p:val>
+                                        </p:tav>
+                                        <p:tav tm="90000">
+                                          <p:val>
+                                            <p:strVal val="ppt_y-0.011"/>
+                                          </p:val>
+                                        </p:tav>
+                                        <p:tav tm="100000">
+                                          <p:val>
+                                            <p:strVal val="ppt_y"/>
+                                          </p:val>
+                                        </p:tav>
+                                      </p:tavLst>
+                                    </p:anim>
+                                    <p:anim calcmode="lin" valueType="num">
+                                      <p:cBhvr>
+                                        <p:cTn id="69" dur="164" tmFilter="0, 0; 0.125,0.2665; 0.25,0.4; 0.375,0.465; 0.5,0.5;  0.625,0.535; 0.75,0.6; 0.875,0.7335; 1,1">
+                                          <p:stCondLst>
+                                            <p:cond delay="1656"/>
+                                          </p:stCondLst>
+                                        </p:cTn>
+                                        <p:tgtEl>
+                                          <p:spTgt spid="3">
+                                            <p:txEl>
+                                              <p:pRg st="0" end="0"/>
+                                            </p:txEl>
+                                          </p:spTgt>
+                                        </p:tgtEl>
+                                        <p:attrNameLst>
+                                          <p:attrName>ppt_y</p:attrName>
+                                        </p:attrNameLst>
+                                      </p:cBhvr>
+                                      <p:tavLst>
+                                        <p:tav tm="0">
+                                          <p:val>
+                                            <p:strVal val="ppt_y"/>
+                                          </p:val>
+                                        </p:tav>
+                                        <p:tav tm="10000">
+                                          <p:val>
+                                            <p:strVal val="ppt_y-0.004"/>
+                                          </p:val>
+                                        </p:tav>
+                                        <p:tav tm="20000">
+                                          <p:val>
+                                            <p:strVal val="ppt_y-0.007"/>
+                                          </p:val>
+                                        </p:tav>
+                                        <p:tav tm="30000">
+                                          <p:val>
+                                            <p:strVal val="ppt_y-0.010"/>
+                                          </p:val>
+                                        </p:tav>
+                                        <p:tav tm="40000">
+                                          <p:val>
+                                            <p:strVal val="ppt_y-0.012"/>
+                                          </p:val>
+                                        </p:tav>
+                                        <p:tav tm="50000">
+                                          <p:val>
+                                            <p:strVal val="ppt_y-0.0123"/>
+                                          </p:val>
+                                        </p:tav>
+                                        <p:tav tm="60000">
+                                          <p:val>
+                                            <p:strVal val="ppt_y-0.012"/>
+                                          </p:val>
+                                        </p:tav>
+                                        <p:tav tm="70000">
+                                          <p:val>
+                                            <p:strVal val="ppt_y-0.010"/>
+                                          </p:val>
+                                        </p:tav>
+                                        <p:tav tm="80000">
+                                          <p:val>
+                                            <p:strVal val="ppt_y-0.007"/>
+                                          </p:val>
+                                        </p:tav>
+                                        <p:tav tm="90000">
+                                          <p:val>
+                                            <p:strVal val="ppt_y-0.004"/>
+                                          </p:val>
+                                        </p:tav>
+                                        <p:tav tm="100000">
+                                          <p:val>
+                                            <p:strVal val="ppt_y"/>
+                                          </p:val>
+                                        </p:tav>
+                                      </p:tavLst>
+                                    </p:anim>
+                                    <p:anim calcmode="lin" valueType="num">
+                                      <p:cBhvr>
+                                        <p:cTn id="70" dur="180" accel="50000">
+                                          <p:stCondLst>
+                                            <p:cond delay="1820"/>
+                                          </p:stCondLst>
+                                        </p:cTn>
+                                        <p:tgtEl>
+                                          <p:spTgt spid="3">
+                                            <p:txEl>
+                                              <p:pRg st="0" end="0"/>
+                                            </p:txEl>
+                                          </p:spTgt>
+                                        </p:tgtEl>
+                                        <p:attrNameLst>
+                                          <p:attrName>ppt_y</p:attrName>
+                                        </p:attrNameLst>
+                                      </p:cBhvr>
+                                      <p:tavLst>
+                                        <p:tav tm="0">
+                                          <p:val>
+                                            <p:strVal val="ppt_y"/>
+                                          </p:val>
+                                        </p:tav>
+                                        <p:tav tm="100000">
+                                          <p:val>
+                                            <p:strVal val="ppt_y+ppt_h"/>
+                                          </p:val>
+                                        </p:tav>
+                                      </p:tavLst>
+                                    </p:anim>
+                                    <p:animScale>
+                                      <p:cBhvr>
+                                        <p:cTn id="71" dur="26">
+                                          <p:stCondLst>
+                                            <p:cond delay="620"/>
+                                          </p:stCondLst>
+                                        </p:cTn>
+                                        <p:tgtEl>
+                                          <p:spTgt spid="3">
+                                            <p:txEl>
+                                              <p:pRg st="0" end="0"/>
+                                            </p:txEl>
+                                          </p:spTgt>
+                                        </p:tgtEl>
+                                      </p:cBhvr>
+                                      <p:to x="100000" y="60000"/>
+                                    </p:animScale>
+                                    <p:animScale>
+                                      <p:cBhvr>
+                                        <p:cTn id="72" dur="166" decel="50000">
+                                          <p:stCondLst>
+                                            <p:cond delay="646"/>
+                                          </p:stCondLst>
+                                        </p:cTn>
+                                        <p:tgtEl>
+                                          <p:spTgt spid="3">
+                                            <p:txEl>
+                                              <p:pRg st="0" end="0"/>
+                                            </p:txEl>
+                                          </p:spTgt>
+                                        </p:tgtEl>
+                                      </p:cBhvr>
+                                      <p:to x="100000" y="100000"/>
+                                    </p:animScale>
+                                    <p:animScale>
+                                      <p:cBhvr>
+                                        <p:cTn id="73" dur="26">
+                                          <p:stCondLst>
+                                            <p:cond delay="1312"/>
+                                          </p:stCondLst>
+                                        </p:cTn>
+                                        <p:tgtEl>
+                                          <p:spTgt spid="3">
+                                            <p:txEl>
+                                              <p:pRg st="0" end="0"/>
+                                            </p:txEl>
+                                          </p:spTgt>
+                                        </p:tgtEl>
+                                      </p:cBhvr>
+                                      <p:to x="100000" y="80000"/>
+                                    </p:animScale>
+                                    <p:animScale>
+                                      <p:cBhvr>
+                                        <p:cTn id="74" dur="166" decel="50000">
+                                          <p:stCondLst>
+                                            <p:cond delay="1338"/>
+                                          </p:stCondLst>
+                                        </p:cTn>
+                                        <p:tgtEl>
+                                          <p:spTgt spid="3">
+                                            <p:txEl>
+                                              <p:pRg st="0" end="0"/>
+                                            </p:txEl>
+                                          </p:spTgt>
+                                        </p:tgtEl>
+                                      </p:cBhvr>
+                                      <p:to x="100000" y="100000"/>
+                                    </p:animScale>
+                                    <p:animScale>
+                                      <p:cBhvr>
+                                        <p:cTn id="75" dur="26">
+                                          <p:stCondLst>
+                                            <p:cond delay="1642"/>
+                                          </p:stCondLst>
+                                        </p:cTn>
+                                        <p:tgtEl>
+                                          <p:spTgt spid="3">
+                                            <p:txEl>
+                                              <p:pRg st="0" end="0"/>
+                                            </p:txEl>
+                                          </p:spTgt>
+                                        </p:tgtEl>
+                                      </p:cBhvr>
+                                      <p:to x="100000" y="90000"/>
+                                    </p:animScale>
+                                    <p:animScale>
+                                      <p:cBhvr>
+                                        <p:cTn id="76" dur="166" decel="50000">
+                                          <p:stCondLst>
+                                            <p:cond delay="1668"/>
+                                          </p:stCondLst>
+                                        </p:cTn>
+                                        <p:tgtEl>
+                                          <p:spTgt spid="3">
+                                            <p:txEl>
+                                              <p:pRg st="0" end="0"/>
+                                            </p:txEl>
+                                          </p:spTgt>
+                                        </p:tgtEl>
+                                      </p:cBhvr>
+                                      <p:to x="100000" y="100000"/>
+                                    </p:animScale>
+                                    <p:animScale>
+                                      <p:cBhvr>
+                                        <p:cTn id="77" dur="26">
+                                          <p:stCondLst>
+                                            <p:cond delay="1808"/>
+                                          </p:stCondLst>
+                                        </p:cTn>
+                                        <p:tgtEl>
+                                          <p:spTgt spid="3">
+                                            <p:txEl>
+                                              <p:pRg st="0" end="0"/>
+                                            </p:txEl>
+                                          </p:spTgt>
+                                        </p:tgtEl>
+                                      </p:cBhvr>
+                                      <p:to x="100000" y="95000"/>
+                                    </p:animScale>
+                                    <p:animScale>
+                                      <p:cBhvr>
+                                        <p:cTn id="78" dur="166" decel="50000">
+                                          <p:stCondLst>
+                                            <p:cond delay="1834"/>
+                                          </p:stCondLst>
+                                        </p:cTn>
+                                        <p:tgtEl>
+                                          <p:spTgt spid="3">
+                                            <p:txEl>
+                                              <p:pRg st="0" end="0"/>
+                                            </p:txEl>
+                                          </p:spTgt>
+                                        </p:tgtEl>
+                                      </p:cBhvr>
+                                      <p:to x="100000" y="100000"/>
+                                    </p:animScale>
+                                    <p:set>
+                                      <p:cBhvr>
+                                        <p:cTn id="79" dur="1" fill="hold">
+                                          <p:stCondLst>
+                                            <p:cond delay="1999"/>
+                                          </p:stCondLst>
+                                        </p:cTn>
+                                        <p:tgtEl>
+                                          <p:spTgt spid="3">
+                                            <p:txEl>
+                                              <p:pRg st="0" end="0"/>
+                                            </p:txEl>
+                                          </p:spTgt>
+                                        </p:tgtEl>
+                                        <p:attrNameLst>
+                                          <p:attrName>style.visibility</p:attrName>
+                                        </p:attrNameLst>
+                                      </p:cBhvr>
+                                      <p:to>
+                                        <p:strVal val="hidden"/>
+                                      </p:to>
+                                    </p:set>
+                                  </p:childTnLst>
+                                </p:cTn>
+                              </p:par>
+                            </p:childTnLst>
+                          </p:cTn>
+                        </p:par>
+                      </p:childTnLst>
+                    </p:cTn>
+                  </p:par>
+                </p:childTnLst>
+              </p:cTn>
+              <p:prevCondLst>
+                <p:cond evt="onPrev" delay="0">
+                  <p:tgtEl>
+                    <p:sldTgt/>
+                  </p:tgtEl>
+                </p:cond>
+              </p:prevCondLst>
+              <p:nextCondLst>
+                <p:cond evt="onNext" delay="0">
+                  <p:tgtEl>
+                    <p:sldTgt/>
+                  </p:tgtEl>
+                </p:cond>
+              </p:nextCondLst>
+            </p:seq>
+          </p:childTnLst>
+        </p:cTn>
+      </p:par>
+    </p:tnLst>
+    <p:bldLst>
+      <p:bldP spid="2" grpId="0"/>
+      <p:bldP spid="2" grpId="1"/>
+      <p:bldP spid="3" grpId="0" build="p"/>
+      <p:bldP spid="3" grpId="1" build="p"/>
+    </p:bldLst>
+  </p:timing>
+</p:sld>
+</file>
+
+<file path=ppt/slides/slide2.xml><?xml version="1.0" encoding="utf-8"?>
+<p:sld xmlns:a="http://schemas.openxmlformats.org/drawingml/2006/main" xmlns:r="http://schemas.openxmlformats.org/officeDocument/2006/relationships" xmlns:p="http://schemas.openxmlformats.org/presentationml/2006/main">
+  <p:cSld>
+    <p:spTree>
+      <p:nvGrpSpPr>
+        <p:cNvPr id="1" name=""/>
+        <p:cNvGrpSpPr/>
+        <p:nvPr/>
+      </p:nvGrpSpPr>
+      <p:grpSpPr>
+        <a:xfrm>
+          <a:off x="0" y="0"/>
+          <a:ext cx="0" cy="0"/>
+          <a:chOff x="0" y="0"/>
+          <a:chExt cx="0" cy="0"/>
+        </a:xfrm>
+      </p:grpSpPr>
+      <p:sp>
+        <p:nvSpPr>
+          <p:cNvPr id="2" name="Title 1">
+            <a:extLst>
+              <a:ext uri="{FF2B5EF4-FFF2-40B4-BE49-F238E27FC236}">
+                <a16:creationId xmlns:a16="http://schemas.microsoft.com/office/drawing/2014/main" id="{6EEB5090-BB50-D813-8AEC-2BCAF7AD5077}"/>
+              </a:ext>
+            </a:extLst>
+          </p:cNvPr>
+          <p:cNvSpPr>
+            <a:spLocks noGrp="1"/>
+          </p:cNvSpPr>
+          <p:nvPr>
+            <p:ph type="title"/>
+          </p:nvPr>
+        </p:nvSpPr>
+        <p:spPr>
+          <a:xfrm>
+            <a:off x="1555687" y="836801"/>
+            <a:ext cx="8610600" cy="1293028"/>
+          </a:xfrm>
+        </p:spPr>
+        <p:txBody>
+          <a:bodyPr/>
+          <a:lstStyle/>
+          <a:p>
+            <a:pPr algn="l"/>
+            <a:r>
+              <a:rPr lang="en-GB" dirty="0"/>
+              <a:t>Services :</a:t>
+            </a:r>
+          </a:p>
+        </p:txBody>
+      </p:sp>
+      <p:sp>
+        <p:nvSpPr>
+          <p:cNvPr id="3" name="Content Placeholder 2">
+            <a:extLst>
+              <a:ext uri="{FF2B5EF4-FFF2-40B4-BE49-F238E27FC236}">
+                <a16:creationId xmlns:a16="http://schemas.microsoft.com/office/drawing/2014/main" id="{CB12FB72-F90A-C2C0-E9C5-DD617AB91E9E}"/>
+              </a:ext>
+            </a:extLst>
+          </p:cNvPr>
+          <p:cNvSpPr>
+            <a:spLocks noGrp="1"/>
+          </p:cNvSpPr>
+          <p:nvPr>
+            <p:ph idx="1"/>
+          </p:nvPr>
+        </p:nvSpPr>
+        <p:spPr/>
+        <p:txBody>
+          <a:bodyPr/>
+          <a:lstStyle/>
+          <a:p>
+            <a:r>
+              <a:rPr lang="en-GB" dirty="0"/>
+              <a:t>I will convert you Figma, PSD, XD into a Responsive Website.</a:t>
+            </a:r>
+          </a:p>
+          <a:p>
+            <a:r>
+              <a:rPr lang="en-GB" dirty="0"/>
+              <a:t>I am proficient in using several Frameworks like Bootstrap, Tailwind CSS, Chakra UI, Semantic UI and Foundation.</a:t>
+            </a:r>
+          </a:p>
+          <a:p>
+            <a:r>
+              <a:rPr lang="en-GB" dirty="0"/>
+              <a:t>I will build custom website with HTML5 and CSS3.</a:t>
+            </a:r>
+          </a:p>
+          <a:p>
+            <a:r>
+              <a:rPr lang="en-GB" dirty="0"/>
+              <a:t>If you want I can add extra features like a form, or plugins like Slider, Upward Scroll Button, Navs and Tabs, Counter Up etc.</a:t>
+            </a:r>
+          </a:p>
+          <a:p>
+            <a:r>
+              <a:rPr lang="en-GB" dirty="0"/>
+              <a:t>I can implement custom functionality with JavaScript and jQuery.</a:t>
+            </a:r>
+          </a:p>
+          <a:p>
+            <a:endParaRPr lang="en-GB" dirty="0"/>
+          </a:p>
+          <a:p>
+            <a:endParaRPr lang="en-GB" dirty="0"/>
+          </a:p>
+        </p:txBody>
+      </p:sp>
+    </p:spTree>
+    <p:extLst>
+      <p:ext uri="{BB962C8B-B14F-4D97-AF65-F5344CB8AC3E}">
+        <p14:creationId xmlns:p14="http://schemas.microsoft.com/office/powerpoint/2010/main" val="1010405636"/>
+      </p:ext>
+    </p:extLst>
+  </p:cSld>
+  <p:clrMapOvr>
+    <a:masterClrMapping/>
+  </p:clrMapOvr>
+  <p:timing>
+    <p:tnLst>
+      <p:par>
+        <p:cTn id="1" dur="indefinite" restart="never" nodeType="tmRoot">
+          <p:childTnLst>
+            <p:seq concurrent="1" nextAc="seek">
+              <p:cTn id="2" dur="indefinite" nodeType="mainSeq">
+                <p:childTnLst>
+                  <p:par>
+                    <p:cTn id="3" fill="hold">
+                      <p:stCondLst>
+                        <p:cond delay="indefinite"/>
+                      </p:stCondLst>
+                      <p:childTnLst>
+                        <p:par>
+                          <p:cTn id="4" fill="hold">
+                            <p:stCondLst>
+                              <p:cond delay="0"/>
+                            </p:stCondLst>
+                            <p:childTnLst>
+                              <p:par>
+                                <p:cTn id="5" presetID="21" presetClass="entr" presetSubtype="1" fill="hold" grpId="0" nodeType="clickEffect">
+                                  <p:stCondLst>
+                                    <p:cond delay="0"/>
+                                  </p:stCondLst>
+                                  <p:childTnLst>
+                                    <p:set>
+                                      <p:cBhvr>
+                                        <p:cTn id="6" dur="1" fill="hold">
+                                          <p:stCondLst>
+                                            <p:cond delay="0"/>
+                                          </p:stCondLst>
+                                        </p:cTn>
+                                        <p:tgtEl>
+                                          <p:spTgt spid="2"/>
+                                        </p:tgtEl>
+                                        <p:attrNameLst>
+                                          <p:attrName>style.visibility</p:attrName>
+                                        </p:attrNameLst>
+                                      </p:cBhvr>
+                                      <p:to>
+                                        <p:strVal val="visible"/>
+                                      </p:to>
+                                    </p:set>
+                                    <p:animEffect transition="in" filter="wheel(1)">
+                                      <p:cBhvr>
+                                        <p:cTn id="7" dur="2000"/>
+                                        <p:tgtEl>
+                                          <p:spTgt spid="2"/>
+                                        </p:tgtEl>
+                                      </p:cBhvr>
+                                    </p:animEffect>
+                                  </p:childTnLst>
+                                </p:cTn>
+                              </p:par>
+                            </p:childTnLst>
+                          </p:cTn>
+                        </p:par>
+                      </p:childTnLst>
+                    </p:cTn>
+                  </p:par>
+                  <p:par>
+                    <p:cTn id="8" fill="hold">
+                      <p:stCondLst>
+                        <p:cond delay="indefinite"/>
+                      </p:stCondLst>
+                      <p:childTnLst>
+                        <p:par>
+                          <p:cTn id="9" fill="hold">
+                            <p:stCondLst>
+                              <p:cond delay="0"/>
+                            </p:stCondLst>
+                            <p:childTnLst>
+                              <p:par>
+                                <p:cTn id="10" presetID="2" presetClass="entr" presetSubtype="4" fill="hold" grpId="0" nodeType="clickEffect">
+                                  <p:stCondLst>
+                                    <p:cond delay="0"/>
+                                  </p:stCondLst>
+                                  <p:childTnLst>
+                                    <p:set>
+                                      <p:cBhvr>
+                                        <p:cTn id="11" dur="1" fill="hold">
+                                          <p:stCondLst>
+                                            <p:cond delay="0"/>
+                                          </p:stCondLst>
+                                        </p:cTn>
+                                        <p:tgtEl>
+                                          <p:spTgt spid="3">
+                                            <p:txEl>
+                                              <p:pRg st="0" end="0"/>
+                                            </p:txEl>
+                                          </p:spTgt>
+                                        </p:tgtEl>
+                                        <p:attrNameLst>
+                                          <p:attrName>style.visibility</p:attrName>
+                                        </p:attrNameLst>
+                                      </p:cBhvr>
+                                      <p:to>
+                                        <p:strVal val="visible"/>
+                                      </p:to>
+                                    </p:set>
+                                    <p:anim calcmode="lin" valueType="num">
+                                      <p:cBhvr additive="base">
+                                        <p:cTn id="12" dur="500" fill="hold"/>
+                                        <p:tgtEl>
+                                          <p:spTgt spid="3">
+                                            <p:txEl>
+                                              <p:pRg st="0" end="0"/>
+                                            </p:txEl>
+                                          </p:spTgt>
+                                        </p:tgtEl>
+                                        <p:attrNameLst>
+                                          <p:attrName>ppt_x</p:attrName>
+                                        </p:attrNameLst>
+                                      </p:cBhvr>
+                                      <p:tavLst>
+                                        <p:tav tm="0">
+                                          <p:val>
+                                            <p:strVal val="#ppt_x"/>
+                                          </p:val>
+                                        </p:tav>
+                                        <p:tav tm="100000">
+                                          <p:val>
+                                            <p:strVal val="#ppt_x"/>
+                                          </p:val>
+                                        </p:tav>
+                                      </p:tavLst>
+                                    </p:anim>
+                                    <p:anim calcmode="lin" valueType="num">
+                                      <p:cBhvr additive="base">
+                                        <p:cTn id="13" dur="500" fill="hold"/>
+                                        <p:tgtEl>
+                                          <p:spTgt spid="3">
+                                            <p:txEl>
+                                              <p:pRg st="0" end="0"/>
+                                            </p:txEl>
+                                          </p:spTgt>
+                                        </p:tgtEl>
+                                        <p:attrNameLst>
+                                          <p:attrName>ppt_y</p:attrName>
+                                        </p:attrNameLst>
+                                      </p:cBhvr>
+                                      <p:tavLst>
+                                        <p:tav tm="0">
+                                          <p:val>
+                                            <p:strVal val="1+#ppt_h/2"/>
+                                          </p:val>
+                                        </p:tav>
+                                        <p:tav tm="100000">
+                                          <p:val>
+                                            <p:strVal val="#ppt_y"/>
+                                          </p:val>
+                                        </p:tav>
+                                      </p:tavLst>
+                                    </p:anim>
+                                  </p:childTnLst>
+                                </p:cTn>
+                              </p:par>
+                            </p:childTnLst>
+                          </p:cTn>
+                        </p:par>
+                      </p:childTnLst>
+                    </p:cTn>
+                  </p:par>
+                  <p:par>
+                    <p:cTn id="14" fill="hold">
+                      <p:stCondLst>
+                        <p:cond delay="indefinite"/>
+                      </p:stCondLst>
+                      <p:childTnLst>
+                        <p:par>
+                          <p:cTn id="15" fill="hold">
+                            <p:stCondLst>
+                              <p:cond delay="0"/>
+                            </p:stCondLst>
+                            <p:childTnLst>
+                              <p:par>
+                                <p:cTn id="16" presetID="2" presetClass="entr" presetSubtype="4" fill="hold" grpId="0" nodeType="clickEffect">
+                                  <p:stCondLst>
+                                    <p:cond delay="0"/>
+                                  </p:stCondLst>
+                                  <p:childTnLst>
+                                    <p:set>
+                                      <p:cBhvr>
+                                        <p:cTn id="17" dur="1" fill="hold">
+                                          <p:stCondLst>
+                                            <p:cond delay="0"/>
+                                          </p:stCondLst>
+                                        </p:cTn>
+                                        <p:tgtEl>
+                                          <p:spTgt spid="3">
+                                            <p:txEl>
+                                              <p:pRg st="1" end="1"/>
+                                            </p:txEl>
+                                          </p:spTgt>
+                                        </p:tgtEl>
+                                        <p:attrNameLst>
+                                          <p:attrName>style.visibility</p:attrName>
+                                        </p:attrNameLst>
+                                      </p:cBhvr>
+                                      <p:to>
+                                        <p:strVal val="visible"/>
+                                      </p:to>
+                                    </p:set>
+                                    <p:anim calcmode="lin" valueType="num">
+                                      <p:cBhvr additive="base">
+                                        <p:cTn id="18" dur="500" fill="hold"/>
+                                        <p:tgtEl>
+                                          <p:spTgt spid="3">
+                                            <p:txEl>
+                                              <p:pRg st="1" end="1"/>
+                                            </p:txEl>
+                                          </p:spTgt>
+                                        </p:tgtEl>
+                                        <p:attrNameLst>
+                                          <p:attrName>ppt_x</p:attrName>
+                                        </p:attrNameLst>
+                                      </p:cBhvr>
+                                      <p:tavLst>
+                                        <p:tav tm="0">
+                                          <p:val>
+                                            <p:strVal val="#ppt_x"/>
+                                          </p:val>
+                                        </p:tav>
+                                        <p:tav tm="100000">
+                                          <p:val>
+                                            <p:strVal val="#ppt_x"/>
+                                          </p:val>
+                                        </p:tav>
+                                      </p:tavLst>
+                                    </p:anim>
+                                    <p:anim calcmode="lin" valueType="num">
+                                      <p:cBhvr additive="base">
+                                        <p:cTn id="19" dur="500" fill="hold"/>
+                                        <p:tgtEl>
+                                          <p:spTgt spid="3">
+                                            <p:txEl>
+                                              <p:pRg st="1" end="1"/>
+                                            </p:txEl>
+                                          </p:spTgt>
+                                        </p:tgtEl>
+                                        <p:attrNameLst>
+                                          <p:attrName>ppt_y</p:attrName>
+                                        </p:attrNameLst>
+                                      </p:cBhvr>
+                                      <p:tavLst>
+                                        <p:tav tm="0">
+                                          <p:val>
+                                            <p:strVal val="1+#ppt_h/2"/>
+                                          </p:val>
+                                        </p:tav>
+                                        <p:tav tm="100000">
+                                          <p:val>
+                                            <p:strVal val="#ppt_y"/>
+                                          </p:val>
+                                        </p:tav>
+                                      </p:tavLst>
+                                    </p:anim>
+                                  </p:childTnLst>
+                                </p:cTn>
+                              </p:par>
+                            </p:childTnLst>
+                          </p:cTn>
+                        </p:par>
+                      </p:childTnLst>
+                    </p:cTn>
+                  </p:par>
+                  <p:par>
+                    <p:cTn id="20" fill="hold">
+                      <p:stCondLst>
+                        <p:cond delay="indefinite"/>
+                      </p:stCondLst>
+                      <p:childTnLst>
+                        <p:par>
+                          <p:cTn id="21" fill="hold">
+                            <p:stCondLst>
+                              <p:cond delay="0"/>
+                            </p:stCondLst>
+                            <p:childTnLst>
+                              <p:par>
+                                <p:cTn id="22" presetID="2" presetClass="entr" presetSubtype="4" fill="hold" grpId="0" nodeType="clickEffect">
+                                  <p:stCondLst>
+                                    <p:cond delay="0"/>
+                                  </p:stCondLst>
+                                  <p:childTnLst>
+                                    <p:set>
+                                      <p:cBhvr>
+                                        <p:cTn id="23" dur="1" fill="hold">
+                                          <p:stCondLst>
+                                            <p:cond delay="0"/>
+                                          </p:stCondLst>
+                                        </p:cTn>
+                                        <p:tgtEl>
+                                          <p:spTgt spid="3">
+                                            <p:txEl>
+                                              <p:pRg st="2" end="2"/>
+                                            </p:txEl>
+                                          </p:spTgt>
+                                        </p:tgtEl>
+                                        <p:attrNameLst>
+                                          <p:attrName>style.visibility</p:attrName>
+                                        </p:attrNameLst>
+                                      </p:cBhvr>
+                                      <p:to>
+                                        <p:strVal val="visible"/>
+                                      </p:to>
+                                    </p:set>
+                                    <p:anim calcmode="lin" valueType="num">
+                                      <p:cBhvr additive="base">
+                                        <p:cTn id="24" dur="500" fill="hold"/>
+                                        <p:tgtEl>
+                                          <p:spTgt spid="3">
+                                            <p:txEl>
+                                              <p:pRg st="2" end="2"/>
+                                            </p:txEl>
+                                          </p:spTgt>
+                                        </p:tgtEl>
+                                        <p:attrNameLst>
+                                          <p:attrName>ppt_x</p:attrName>
+                                        </p:attrNameLst>
+                                      </p:cBhvr>
+                                      <p:tavLst>
+                                        <p:tav tm="0">
+                                          <p:val>
+                                            <p:strVal val="#ppt_x"/>
+                                          </p:val>
+                                        </p:tav>
+                                        <p:tav tm="100000">
+                                          <p:val>
+                                            <p:strVal val="#ppt_x"/>
+                                          </p:val>
+                                        </p:tav>
+                                      </p:tavLst>
+                                    </p:anim>
+                                    <p:anim calcmode="lin" valueType="num">
+                                      <p:cBhvr additive="base">
+                                        <p:cTn id="25" dur="500" fill="hold"/>
+                                        <p:tgtEl>
+                                          <p:spTgt spid="3">
+                                            <p:txEl>
+                                              <p:pRg st="2" end="2"/>
+                                            </p:txEl>
+                                          </p:spTgt>
+                                        </p:tgtEl>
+                                        <p:attrNameLst>
+                                          <p:attrName>ppt_y</p:attrName>
+                                        </p:attrNameLst>
+                                      </p:cBhvr>
+                                      <p:tavLst>
+                                        <p:tav tm="0">
+                                          <p:val>
+                                            <p:strVal val="1+#ppt_h/2"/>
+                                          </p:val>
+                                        </p:tav>
+                                        <p:tav tm="100000">
+                                          <p:val>
+                                            <p:strVal val="#ppt_y"/>
+                                          </p:val>
+                                        </p:tav>
+                                      </p:tavLst>
+                                    </p:anim>
+                                  </p:childTnLst>
+                                </p:cTn>
+                              </p:par>
+                            </p:childTnLst>
+                          </p:cTn>
+                        </p:par>
+                      </p:childTnLst>
+                    </p:cTn>
+                  </p:par>
+                  <p:par>
+                    <p:cTn id="26" fill="hold">
+                      <p:stCondLst>
+                        <p:cond delay="indefinite"/>
+                      </p:stCondLst>
+                      <p:childTnLst>
+                        <p:par>
+                          <p:cTn id="27" fill="hold">
+                            <p:stCondLst>
+                              <p:cond delay="0"/>
+                            </p:stCondLst>
+                            <p:childTnLst>
+                              <p:par>
+                                <p:cTn id="28" presetID="2" presetClass="entr" presetSubtype="4" fill="hold" grpId="0" nodeType="clickEffect">
+                                  <p:stCondLst>
+                                    <p:cond delay="0"/>
+                                  </p:stCondLst>
+                                  <p:childTnLst>
+                                    <p:set>
+                                      <p:cBhvr>
+                                        <p:cTn id="29" dur="1" fill="hold">
+                                          <p:stCondLst>
+                                            <p:cond delay="0"/>
+                                          </p:stCondLst>
+                                        </p:cTn>
+                                        <p:tgtEl>
+                                          <p:spTgt spid="3">
+                                            <p:txEl>
+                                              <p:pRg st="3" end="3"/>
+                                            </p:txEl>
+                                          </p:spTgt>
+                                        </p:tgtEl>
+                                        <p:attrNameLst>
+                                          <p:attrName>style.visibility</p:attrName>
+                                        </p:attrNameLst>
+                                      </p:cBhvr>
+                                      <p:to>
+                                        <p:strVal val="visible"/>
+                                      </p:to>
+                                    </p:set>
+                                    <p:anim calcmode="lin" valueType="num">
+                                      <p:cBhvr additive="base">
+                                        <p:cTn id="30" dur="500" fill="hold"/>
+                                        <p:tgtEl>
+                                          <p:spTgt spid="3">
+                                            <p:txEl>
+                                              <p:pRg st="3" end="3"/>
+                                            </p:txEl>
+                                          </p:spTgt>
+                                        </p:tgtEl>
+                                        <p:attrNameLst>
+                                          <p:attrName>ppt_x</p:attrName>
+                                        </p:attrNameLst>
+                                      </p:cBhvr>
+                                      <p:tavLst>
+                                        <p:tav tm="0">
+                                          <p:val>
+                                            <p:strVal val="#ppt_x"/>
+                                          </p:val>
+                                        </p:tav>
+                                        <p:tav tm="100000">
+                                          <p:val>
+                                            <p:strVal val="#ppt_x"/>
+                                          </p:val>
+                                        </p:tav>
+                                      </p:tavLst>
+                                    </p:anim>
+                                    <p:anim calcmode="lin" valueType="num">
+                                      <p:cBhvr additive="base">
+                                        <p:cTn id="31" dur="500" fill="hold"/>
+                                        <p:tgtEl>
+                                          <p:spTgt spid="3">
+                                            <p:txEl>
+                                              <p:pRg st="3" end="3"/>
+                                            </p:txEl>
+                                          </p:spTgt>
+                                        </p:tgtEl>
+                                        <p:attrNameLst>
+                                          <p:attrName>ppt_y</p:attrName>
+                                        </p:attrNameLst>
+                                      </p:cBhvr>
+                                      <p:tavLst>
+                                        <p:tav tm="0">
+                                          <p:val>
+                                            <p:strVal val="1+#ppt_h/2"/>
+                                          </p:val>
+                                        </p:tav>
+                                        <p:tav tm="100000">
+                                          <p:val>
+                                            <p:strVal val="#ppt_y"/>
+                                          </p:val>
+                                        </p:tav>
+                                      </p:tavLst>
+                                    </p:anim>
+                                  </p:childTnLst>
+                                </p:cTn>
+                              </p:par>
+                            </p:childTnLst>
+                          </p:cTn>
+                        </p:par>
+                      </p:childTnLst>
+                    </p:cTn>
+                  </p:par>
+                  <p:par>
+                    <p:cTn id="32" fill="hold">
+                      <p:stCondLst>
+                        <p:cond delay="indefinite"/>
+                      </p:stCondLst>
+                      <p:childTnLst>
+                        <p:par>
+                          <p:cTn id="33" fill="hold">
+                            <p:stCondLst>
+                              <p:cond delay="0"/>
+                            </p:stCondLst>
+                            <p:childTnLst>
+                              <p:par>
+                                <p:cTn id="34" presetID="2" presetClass="entr" presetSubtype="4" fill="hold" grpId="0" nodeType="clickEffect">
+                                  <p:stCondLst>
+                                    <p:cond delay="0"/>
+                                  </p:stCondLst>
+                                  <p:childTnLst>
+                                    <p:set>
+                                      <p:cBhvr>
+                                        <p:cTn id="35" dur="1" fill="hold">
+                                          <p:stCondLst>
+                                            <p:cond delay="0"/>
+                                          </p:stCondLst>
+                                        </p:cTn>
+                                        <p:tgtEl>
+                                          <p:spTgt spid="3">
+                                            <p:txEl>
+                                              <p:pRg st="4" end="4"/>
+                                            </p:txEl>
+                                          </p:spTgt>
+                                        </p:tgtEl>
+                                        <p:attrNameLst>
+                                          <p:attrName>style.visibility</p:attrName>
+                                        </p:attrNameLst>
+                                      </p:cBhvr>
+                                      <p:to>
+                                        <p:strVal val="visible"/>
+                                      </p:to>
+                                    </p:set>
+                                    <p:anim calcmode="lin" valueType="num">
+                                      <p:cBhvr additive="base">
+                                        <p:cTn id="36" dur="500" fill="hold"/>
+                                        <p:tgtEl>
+                                          <p:spTgt spid="3">
+                                            <p:txEl>
+                                              <p:pRg st="4" end="4"/>
+                                            </p:txEl>
+                                          </p:spTgt>
+                                        </p:tgtEl>
+                                        <p:attrNameLst>
+                                          <p:attrName>ppt_x</p:attrName>
+                                        </p:attrNameLst>
+                                      </p:cBhvr>
+                                      <p:tavLst>
+                                        <p:tav tm="0">
+                                          <p:val>
+                                            <p:strVal val="#ppt_x"/>
+                                          </p:val>
+                                        </p:tav>
+                                        <p:tav tm="100000">
+                                          <p:val>
+                                            <p:strVal val="#ppt_x"/>
+                                          </p:val>
+                                        </p:tav>
+                                      </p:tavLst>
+                                    </p:anim>
+                                    <p:anim calcmode="lin" valueType="num">
+                                      <p:cBhvr additive="base">
+                                        <p:cTn id="37" dur="500" fill="hold"/>
+                                        <p:tgtEl>
+                                          <p:spTgt spid="3">
+                                            <p:txEl>
+                                              <p:pRg st="4" end="4"/>
+                                            </p:txEl>
+                                          </p:spTgt>
+                                        </p:tgtEl>
+                                        <p:attrNameLst>
+                                          <p:attrName>ppt_y</p:attrName>
+                                        </p:attrNameLst>
+                                      </p:cBhvr>
+                                      <p:tavLst>
+                                        <p:tav tm="0">
+                                          <p:val>
+                                            <p:strVal val="1+#ppt_h/2"/>
+                                          </p:val>
+                                        </p:tav>
+                                        <p:tav tm="100000">
+                                          <p:val>
+                                            <p:strVal val="#ppt_y"/>
+                                          </p:val>
+                                        </p:tav>
+                                      </p:tavLst>
+                                    </p:anim>
+                                  </p:childTnLst>
+                                </p:cTn>
+                              </p:par>
+                            </p:childTnLst>
+                          </p:cTn>
+                        </p:par>
+                      </p:childTnLst>
+                    </p:cTn>
+                  </p:par>
+                  <p:par>
+                    <p:cTn id="38" fill="hold">
+                      <p:stCondLst>
+                        <p:cond delay="indefinite"/>
+                      </p:stCondLst>
+                      <p:childTnLst>
+                        <p:par>
+                          <p:cTn id="39" fill="hold">
+                            <p:stCondLst>
+                              <p:cond delay="0"/>
+                            </p:stCondLst>
+                            <p:childTnLst>
+                              <p:par>
+                                <p:cTn id="40" presetID="10" presetClass="exit" presetSubtype="0" fill="hold" grpId="1" nodeType="clickEffect">
+                                  <p:stCondLst>
+                                    <p:cond delay="4250"/>
+                                  </p:stCondLst>
+                                  <p:childTnLst>
+                                    <p:animEffect transition="out" filter="fade">
+                                      <p:cBhvr>
+                                        <p:cTn id="41" dur="500"/>
+                                        <p:tgtEl>
+                                          <p:spTgt spid="2"/>
+                                        </p:tgtEl>
+                                      </p:cBhvr>
+                                    </p:animEffect>
+                                    <p:set>
+                                      <p:cBhvr>
+                                        <p:cTn id="42" dur="1" fill="hold">
+                                          <p:stCondLst>
+                                            <p:cond delay="499"/>
+                                          </p:stCondLst>
+                                        </p:cTn>
+                                        <p:tgtEl>
+                                          <p:spTgt spid="2"/>
+                                        </p:tgtEl>
+                                        <p:attrNameLst>
+                                          <p:attrName>style.visibility</p:attrName>
+                                        </p:attrNameLst>
+                                      </p:cBhvr>
+                                      <p:to>
+                                        <p:strVal val="hidden"/>
+                                      </p:to>
+                                    </p:set>
+                                  </p:childTnLst>
+                                </p:cTn>
+                              </p:par>
+                              <p:par>
+                                <p:cTn id="43" presetID="10" presetClass="exit" presetSubtype="0" fill="hold" grpId="1" nodeType="withEffect">
+                                  <p:stCondLst>
+                                    <p:cond delay="4250"/>
+                                  </p:stCondLst>
+                                  <p:childTnLst>
+                                    <p:animEffect transition="out" filter="fade">
+                                      <p:cBhvr>
+                                        <p:cTn id="44" dur="500"/>
+                                        <p:tgtEl>
+                                          <p:spTgt spid="3">
+                                            <p:txEl>
+                                              <p:pRg st="0" end="0"/>
+                                            </p:txEl>
+                                          </p:spTgt>
+                                        </p:tgtEl>
+                                      </p:cBhvr>
+                                    </p:animEffect>
+                                    <p:set>
+                                      <p:cBhvr>
+                                        <p:cTn id="45" dur="1" fill="hold">
+                                          <p:stCondLst>
+                                            <p:cond delay="499"/>
+                                          </p:stCondLst>
+                                        </p:cTn>
+                                        <p:tgtEl>
+                                          <p:spTgt spid="3">
+                                            <p:txEl>
+                                              <p:pRg st="0" end="0"/>
+                                            </p:txEl>
+                                          </p:spTgt>
+                                        </p:tgtEl>
+                                        <p:attrNameLst>
+                                          <p:attrName>style.visibility</p:attrName>
+                                        </p:attrNameLst>
+                                      </p:cBhvr>
+                                      <p:to>
+                                        <p:strVal val="hidden"/>
+                                      </p:to>
+                                    </p:set>
+                                  </p:childTnLst>
+                                </p:cTn>
+                              </p:par>
+                              <p:par>
+                                <p:cTn id="46" presetID="10" presetClass="exit" presetSubtype="0" fill="hold" grpId="1" nodeType="withEffect">
+                                  <p:stCondLst>
+                                    <p:cond delay="4250"/>
+                                  </p:stCondLst>
+                                  <p:childTnLst>
+                                    <p:animEffect transition="out" filter="fade">
+                                      <p:cBhvr>
+                                        <p:cTn id="47" dur="500"/>
+                                        <p:tgtEl>
+                                          <p:spTgt spid="3">
+                                            <p:txEl>
+                                              <p:pRg st="1" end="1"/>
+                                            </p:txEl>
+                                          </p:spTgt>
+                                        </p:tgtEl>
+                                      </p:cBhvr>
+                                    </p:animEffect>
+                                    <p:set>
+                                      <p:cBhvr>
+                                        <p:cTn id="48" dur="1" fill="hold">
+                                          <p:stCondLst>
+                                            <p:cond delay="499"/>
+                                          </p:stCondLst>
+                                        </p:cTn>
+                                        <p:tgtEl>
+                                          <p:spTgt spid="3">
+                                            <p:txEl>
+                                              <p:pRg st="1" end="1"/>
+                                            </p:txEl>
+                                          </p:spTgt>
+                                        </p:tgtEl>
+                                        <p:attrNameLst>
+                                          <p:attrName>style.visibility</p:attrName>
+                                        </p:attrNameLst>
+                                      </p:cBhvr>
+                                      <p:to>
+                                        <p:strVal val="hidden"/>
+                                      </p:to>
+                                    </p:set>
+                                  </p:childTnLst>
+                                </p:cTn>
+                              </p:par>
+                              <p:par>
+                                <p:cTn id="49" presetID="10" presetClass="exit" presetSubtype="0" fill="hold" grpId="1" nodeType="withEffect">
+                                  <p:stCondLst>
+                                    <p:cond delay="4250"/>
+                                  </p:stCondLst>
+                                  <p:childTnLst>
+                                    <p:animEffect transition="out" filter="fade">
+                                      <p:cBhvr>
+                                        <p:cTn id="50" dur="500"/>
+                                        <p:tgtEl>
+                                          <p:spTgt spid="3">
+                                            <p:txEl>
+                                              <p:pRg st="2" end="2"/>
+                                            </p:txEl>
+                                          </p:spTgt>
+                                        </p:tgtEl>
+                                      </p:cBhvr>
+                                    </p:animEffect>
+                                    <p:set>
+                                      <p:cBhvr>
+                                        <p:cTn id="51" dur="1" fill="hold">
+                                          <p:stCondLst>
+                                            <p:cond delay="499"/>
+                                          </p:stCondLst>
+                                        </p:cTn>
+                                        <p:tgtEl>
+                                          <p:spTgt spid="3">
+                                            <p:txEl>
+                                              <p:pRg st="2" end="2"/>
+                                            </p:txEl>
+                                          </p:spTgt>
+                                        </p:tgtEl>
+                                        <p:attrNameLst>
+                                          <p:attrName>style.visibility</p:attrName>
+                                        </p:attrNameLst>
+                                      </p:cBhvr>
+                                      <p:to>
+                                        <p:strVal val="hidden"/>
+                                      </p:to>
+                                    </p:set>
+                                  </p:childTnLst>
+                                </p:cTn>
+                              </p:par>
+                              <p:par>
+                                <p:cTn id="52" presetID="10" presetClass="exit" presetSubtype="0" fill="hold" grpId="1" nodeType="withEffect">
+                                  <p:stCondLst>
+                                    <p:cond delay="4250"/>
+                                  </p:stCondLst>
+                                  <p:childTnLst>
+                                    <p:animEffect transition="out" filter="fade">
+                                      <p:cBhvr>
+                                        <p:cTn id="53" dur="500"/>
+                                        <p:tgtEl>
+                                          <p:spTgt spid="3">
+                                            <p:txEl>
+                                              <p:pRg st="3" end="3"/>
+                                            </p:txEl>
+                                          </p:spTgt>
+                                        </p:tgtEl>
+                                      </p:cBhvr>
+                                    </p:animEffect>
+                                    <p:set>
+                                      <p:cBhvr>
+                                        <p:cTn id="54" dur="1" fill="hold">
+                                          <p:stCondLst>
+                                            <p:cond delay="499"/>
+                                          </p:stCondLst>
+                                        </p:cTn>
+                                        <p:tgtEl>
+                                          <p:spTgt spid="3">
+                                            <p:txEl>
+                                              <p:pRg st="3" end="3"/>
+                                            </p:txEl>
+                                          </p:spTgt>
+                                        </p:tgtEl>
+                                        <p:attrNameLst>
+                                          <p:attrName>style.visibility</p:attrName>
+                                        </p:attrNameLst>
+                                      </p:cBhvr>
+                                      <p:to>
+                                        <p:strVal val="hidden"/>
+                                      </p:to>
+                                    </p:set>
+                                  </p:childTnLst>
+                                </p:cTn>
+                              </p:par>
+                              <p:par>
+                                <p:cTn id="55" presetID="10" presetClass="exit" presetSubtype="0" fill="hold" grpId="1" nodeType="withEffect">
+                                  <p:stCondLst>
+                                    <p:cond delay="4250"/>
+                                  </p:stCondLst>
+                                  <p:childTnLst>
+                                    <p:animEffect transition="out" filter="fade">
+                                      <p:cBhvr>
+                                        <p:cTn id="56" dur="500"/>
+                                        <p:tgtEl>
+                                          <p:spTgt spid="3">
+                                            <p:txEl>
+                                              <p:pRg st="4" end="4"/>
+                                            </p:txEl>
+                                          </p:spTgt>
+                                        </p:tgtEl>
+                                      </p:cBhvr>
+                                    </p:animEffect>
+                                    <p:set>
+                                      <p:cBhvr>
+                                        <p:cTn id="57" dur="1" fill="hold">
+                                          <p:stCondLst>
+                                            <p:cond delay="499"/>
+                                          </p:stCondLst>
+                                        </p:cTn>
+                                        <p:tgtEl>
+                                          <p:spTgt spid="3">
+                                            <p:txEl>
+                                              <p:pRg st="4" end="4"/>
+                                            </p:txEl>
+                                          </p:spTgt>
+                                        </p:tgtEl>
+                                        <p:attrNameLst>
+                                          <p:attrName>style.visibility</p:attrName>
+                                        </p:attrNameLst>
+                                      </p:cBhvr>
+                                      <p:to>
+                                        <p:strVal val="hidden"/>
+                                      </p:to>
+                                    </p:set>
+                                  </p:childTnLst>
+                                </p:cTn>
+                              </p:par>
+                            </p:childTnLst>
+                          </p:cTn>
+                        </p:par>
+                      </p:childTnLst>
+                    </p:cTn>
+                  </p:par>
+                </p:childTnLst>
+              </p:cTn>
+              <p:prevCondLst>
+                <p:cond evt="onPrev" delay="0">
+                  <p:tgtEl>
+                    <p:sldTgt/>
+                  </p:tgtEl>
+                </p:cond>
+              </p:prevCondLst>
+              <p:nextCondLst>
+                <p:cond evt="onNext" delay="0">
+                  <p:tgtEl>
+                    <p:sldTgt/>
+                  </p:tgtEl>
+                </p:cond>
+              </p:nextCondLst>
+            </p:seq>
+          </p:childTnLst>
+        </p:cTn>
+      </p:par>
+    </p:tnLst>
+    <p:bldLst>
+      <p:bldP spid="2" grpId="0"/>
+      <p:bldP spid="2" grpId="1"/>
+      <p:bldP spid="3" grpId="0" build="p"/>
+      <p:bldP spid="3" grpId="1" build="p"/>
+    </p:bldLst>
+  </p:timing>
 </p:sld>
 </file>
 
